--- a/project1/analyse/portfolio_statischewebsites.pptx
+++ b/project1/analyse/portfolio_statischewebsites.pptx
@@ -120,7 +120,7 @@
 <file path=ppt/revisionInfo.xml><?xml version="1.0" encoding="utf-8"?>
 <p1510:revInfo xmlns:a="http://schemas.openxmlformats.org/drawingml/2006/main" xmlns:r="http://schemas.openxmlformats.org/officeDocument/2006/relationships" xmlns:p1510="http://schemas.microsoft.com/office/powerpoint/2015/10/main">
   <p1510:revLst>
-    <p1510:client id="{E6CBE824-136F-4E5C-9C1E-C74D8C790178}" v="16" dt="2022-10-15T18:38:38.976"/>
+    <p1510:client id="{DB34FB54-73E2-414A-8C7F-1DD6B425F4EB}" v="1" dt="2022-11-11T11:11:26.712"/>
   </p1510:revLst>
 </p1510:revInfo>
 </file>
@@ -514,6 +514,76 @@
       </pc:sldChg>
     </pc:docChg>
   </pc:docChgLst>
+  <pc:docChgLst>
+    <pc:chgData name="Senne Winkelmans" userId="0b6e95e1-f945-4e58-a526-1987bc27e74c" providerId="ADAL" clId="{DB34FB54-73E2-414A-8C7F-1DD6B425F4EB}"/>
+    <pc:docChg chg="undo custSel modSld">
+      <pc:chgData name="Senne Winkelmans" userId="0b6e95e1-f945-4e58-a526-1987bc27e74c" providerId="ADAL" clId="{DB34FB54-73E2-414A-8C7F-1DD6B425F4EB}" dt="2022-11-12T16:51:04.471" v="16" actId="1440"/>
+      <pc:docMkLst>
+        <pc:docMk/>
+      </pc:docMkLst>
+      <pc:sldChg chg="addSp delSp modSp mod">
+        <pc:chgData name="Senne Winkelmans" userId="0b6e95e1-f945-4e58-a526-1987bc27e74c" providerId="ADAL" clId="{DB34FB54-73E2-414A-8C7F-1DD6B425F4EB}" dt="2022-11-12T16:51:04.471" v="16" actId="1440"/>
+        <pc:sldMkLst>
+          <pc:docMk/>
+          <pc:sldMk cId="3351439039" sldId="256"/>
+        </pc:sldMkLst>
+        <pc:picChg chg="add mod">
+          <ac:chgData name="Senne Winkelmans" userId="0b6e95e1-f945-4e58-a526-1987bc27e74c" providerId="ADAL" clId="{DB34FB54-73E2-414A-8C7F-1DD6B425F4EB}" dt="2022-11-12T16:51:04.471" v="16" actId="1440"/>
+          <ac:picMkLst>
+            <pc:docMk/>
+            <pc:sldMk cId="3351439039" sldId="256"/>
+            <ac:picMk id="3" creationId="{450BF91D-D5A0-AA03-1CE3-2279541864A9}"/>
+          </ac:picMkLst>
+        </pc:picChg>
+        <pc:picChg chg="del mod">
+          <ac:chgData name="Senne Winkelmans" userId="0b6e95e1-f945-4e58-a526-1987bc27e74c" providerId="ADAL" clId="{DB34FB54-73E2-414A-8C7F-1DD6B425F4EB}" dt="2022-11-11T11:11:23.059" v="1" actId="21"/>
+          <ac:picMkLst>
+            <pc:docMk/>
+            <pc:sldMk cId="3351439039" sldId="256"/>
+            <ac:picMk id="4" creationId="{89E40B6E-C22D-E1BE-D287-5A6769C825C7}"/>
+          </ac:picMkLst>
+        </pc:picChg>
+      </pc:sldChg>
+      <pc:sldChg chg="modSp mod">
+        <pc:chgData name="Senne Winkelmans" userId="0b6e95e1-f945-4e58-a526-1987bc27e74c" providerId="ADAL" clId="{DB34FB54-73E2-414A-8C7F-1DD6B425F4EB}" dt="2022-11-11T17:16:57.354" v="6" actId="21"/>
+        <pc:sldMkLst>
+          <pc:docMk/>
+          <pc:sldMk cId="665343363" sldId="257"/>
+        </pc:sldMkLst>
+        <pc:spChg chg="mod">
+          <ac:chgData name="Senne Winkelmans" userId="0b6e95e1-f945-4e58-a526-1987bc27e74c" providerId="ADAL" clId="{DB34FB54-73E2-414A-8C7F-1DD6B425F4EB}" dt="2022-11-11T17:16:57.354" v="6" actId="21"/>
+          <ac:spMkLst>
+            <pc:docMk/>
+            <pc:sldMk cId="665343363" sldId="257"/>
+            <ac:spMk id="9" creationId="{E412D82B-8D08-8626-1B56-9C264B012DAB}"/>
+          </ac:spMkLst>
+        </pc:spChg>
+      </pc:sldChg>
+      <pc:sldChg chg="modSp mod">
+        <pc:chgData name="Senne Winkelmans" userId="0b6e95e1-f945-4e58-a526-1987bc27e74c" providerId="ADAL" clId="{DB34FB54-73E2-414A-8C7F-1DD6B425F4EB}" dt="2022-11-12T16:47:25.704" v="8" actId="1440"/>
+        <pc:sldMkLst>
+          <pc:docMk/>
+          <pc:sldMk cId="3754913734" sldId="261"/>
+        </pc:sldMkLst>
+        <pc:spChg chg="mod">
+          <ac:chgData name="Senne Winkelmans" userId="0b6e95e1-f945-4e58-a526-1987bc27e74c" providerId="ADAL" clId="{DB34FB54-73E2-414A-8C7F-1DD6B425F4EB}" dt="2022-11-11T17:45:03.100" v="7" actId="1076"/>
+          <ac:spMkLst>
+            <pc:docMk/>
+            <pc:sldMk cId="3754913734" sldId="261"/>
+            <ac:spMk id="3" creationId="{F4606EDC-8183-E598-7AFD-148089E72A6B}"/>
+          </ac:spMkLst>
+        </pc:spChg>
+        <pc:picChg chg="mod">
+          <ac:chgData name="Senne Winkelmans" userId="0b6e95e1-f945-4e58-a526-1987bc27e74c" providerId="ADAL" clId="{DB34FB54-73E2-414A-8C7F-1DD6B425F4EB}" dt="2022-11-12T16:47:25.704" v="8" actId="1440"/>
+          <ac:picMkLst>
+            <pc:docMk/>
+            <pc:sldMk cId="3754913734" sldId="261"/>
+            <ac:picMk id="5" creationId="{2D7305B4-08CD-42AF-3F7A-22EFA316646D}"/>
+          </ac:picMkLst>
+        </pc:picChg>
+      </pc:sldChg>
+    </pc:docChg>
+  </pc:docChgLst>
 </pc:chgInfo>
 </file>
 
@@ -698,7 +768,7 @@
           <a:p>
             <a:fld id="{4AAD347D-5ACD-4C99-B74B-A9C85AD731AF}" type="datetimeFigureOut">
               <a:rPr lang="en-US" dirty="0"/>
-              <a:t>10/15/2022</a:t>
+              <a:t>11/12/2022</a:t>
             </a:fld>
             <a:endParaRPr lang="en-US" dirty="0"/>
           </a:p>
@@ -968,7 +1038,7 @@
           <a:p>
             <a:fld id="{4509A250-FF31-4206-8172-F9D3106AACB1}" type="datetimeFigureOut">
               <a:rPr lang="en-US" dirty="0"/>
-              <a:t>10/15/2022</a:t>
+              <a:t>11/12/2022</a:t>
             </a:fld>
             <a:endParaRPr lang="en-US" dirty="0"/>
           </a:p>
@@ -1161,7 +1231,7 @@
           <a:p>
             <a:fld id="{4509A250-FF31-4206-8172-F9D3106AACB1}" type="datetimeFigureOut">
               <a:rPr lang="en-US" dirty="0"/>
-              <a:t>10/15/2022</a:t>
+              <a:t>11/12/2022</a:t>
             </a:fld>
             <a:endParaRPr lang="en-US" dirty="0"/>
           </a:p>
@@ -1428,7 +1498,7 @@
           <a:p>
             <a:fld id="{4509A250-FF31-4206-8172-F9D3106AACB1}" type="datetimeFigureOut">
               <a:rPr lang="en-US" dirty="0"/>
-              <a:t>10/15/2022</a:t>
+              <a:t>11/12/2022</a:t>
             </a:fld>
             <a:endParaRPr lang="en-US" dirty="0"/>
           </a:p>
@@ -1759,7 +1829,7 @@
           <a:p>
             <a:fld id="{4509A250-FF31-4206-8172-F9D3106AACB1}" type="datetimeFigureOut">
               <a:rPr lang="en-US" dirty="0"/>
-              <a:t>10/15/2022</a:t>
+              <a:t>11/12/2022</a:t>
             </a:fld>
             <a:endParaRPr lang="en-US" dirty="0"/>
           </a:p>
@@ -2368,7 +2438,7 @@
           <a:p>
             <a:fld id="{4509A250-FF31-4206-8172-F9D3106AACB1}" type="datetimeFigureOut">
               <a:rPr lang="en-US" dirty="0"/>
-              <a:t>10/15/2022</a:t>
+              <a:t>11/12/2022</a:t>
             </a:fld>
             <a:endParaRPr lang="en-US" dirty="0"/>
           </a:p>
@@ -3202,7 +3272,7 @@
           <a:p>
             <a:fld id="{4509A250-FF31-4206-8172-F9D3106AACB1}" type="datetimeFigureOut">
               <a:rPr lang="en-US" dirty="0"/>
-              <a:t>10/15/2022</a:t>
+              <a:t>11/12/2022</a:t>
             </a:fld>
             <a:endParaRPr lang="en-US" dirty="0"/>
           </a:p>
@@ -3370,7 +3440,7 @@
           <a:p>
             <a:fld id="{4509A250-FF31-4206-8172-F9D3106AACB1}" type="datetimeFigureOut">
               <a:rPr lang="en-US" dirty="0"/>
-              <a:t>10/15/2022</a:t>
+              <a:t>11/12/2022</a:t>
             </a:fld>
             <a:endParaRPr lang="en-US" dirty="0"/>
           </a:p>
@@ -3548,7 +3618,7 @@
           <a:p>
             <a:fld id="{4509A250-FF31-4206-8172-F9D3106AACB1}" type="datetimeFigureOut">
               <a:rPr lang="en-US" dirty="0"/>
-              <a:t>10/15/2022</a:t>
+              <a:t>11/12/2022</a:t>
             </a:fld>
             <a:endParaRPr lang="en-US" dirty="0"/>
           </a:p>
@@ -3716,7 +3786,7 @@
           <a:p>
             <a:fld id="{4509A250-FF31-4206-8172-F9D3106AACB1}" type="datetimeFigureOut">
               <a:rPr lang="en-US" dirty="0"/>
-              <a:t>10/15/2022</a:t>
+              <a:t>11/12/2022</a:t>
             </a:fld>
             <a:endParaRPr lang="en-US" dirty="0"/>
           </a:p>
@@ -3959,7 +4029,7 @@
           <a:p>
             <a:fld id="{4509A250-FF31-4206-8172-F9D3106AACB1}" type="datetimeFigureOut">
               <a:rPr lang="en-US" dirty="0"/>
-              <a:t>10/15/2022</a:t>
+              <a:t>11/12/2022</a:t>
             </a:fld>
             <a:endParaRPr lang="en-US" dirty="0"/>
           </a:p>
@@ -4248,7 +4318,7 @@
           <a:p>
             <a:fld id="{4509A250-FF31-4206-8172-F9D3106AACB1}" type="datetimeFigureOut">
               <a:rPr lang="en-US" dirty="0"/>
-              <a:t>10/15/2022</a:t>
+              <a:t>11/12/2022</a:t>
             </a:fld>
             <a:endParaRPr lang="en-US" dirty="0"/>
           </a:p>
@@ -4683,7 +4753,7 @@
           <a:p>
             <a:fld id="{4509A250-FF31-4206-8172-F9D3106AACB1}" type="datetimeFigureOut">
               <a:rPr lang="en-US" dirty="0"/>
-              <a:t>10/15/2022</a:t>
+              <a:t>11/12/2022</a:t>
             </a:fld>
             <a:endParaRPr lang="en-US" dirty="0"/>
           </a:p>
@@ -4800,7 +4870,7 @@
           <a:p>
             <a:fld id="{4509A250-FF31-4206-8172-F9D3106AACB1}" type="datetimeFigureOut">
               <a:rPr lang="en-US" dirty="0"/>
-              <a:t>10/15/2022</a:t>
+              <a:t>11/12/2022</a:t>
             </a:fld>
             <a:endParaRPr lang="en-US" dirty="0"/>
           </a:p>
@@ -4895,7 +4965,7 @@
           <a:p>
             <a:fld id="{4509A250-FF31-4206-8172-F9D3106AACB1}" type="datetimeFigureOut">
               <a:rPr lang="en-US" dirty="0"/>
-              <a:t>10/15/2022</a:t>
+              <a:t>11/12/2022</a:t>
             </a:fld>
             <a:endParaRPr lang="en-US" dirty="0"/>
           </a:p>
@@ -5172,7 +5242,7 @@
           <a:p>
             <a:fld id="{4509A250-FF31-4206-8172-F9D3106AACB1}" type="datetimeFigureOut">
               <a:rPr lang="en-US" dirty="0"/>
-              <a:t>10/15/2022</a:t>
+              <a:t>11/12/2022</a:t>
             </a:fld>
             <a:endParaRPr lang="en-US" dirty="0"/>
           </a:p>
@@ -5442,7 +5512,7 @@
           <a:p>
             <a:fld id="{4509A250-FF31-4206-8172-F9D3106AACB1}" type="datetimeFigureOut">
               <a:rPr lang="en-US" dirty="0"/>
-              <a:t>10/15/2022</a:t>
+              <a:t>11/12/2022</a:t>
             </a:fld>
             <a:endParaRPr lang="en-US" dirty="0"/>
           </a:p>
@@ -5869,7 +5939,7 @@
           <a:p>
             <a:fld id="{4509A250-FF31-4206-8172-F9D3106AACB1}" type="datetimeFigureOut">
               <a:rPr lang="en-US" dirty="0"/>
-              <a:t>10/15/2022</a:t>
+              <a:t>11/12/2022</a:t>
             </a:fld>
             <a:endParaRPr lang="en-US" dirty="0"/>
           </a:p>
@@ -6481,12 +6551,102 @@
           </a:p>
         </p:txBody>
       </p:sp>
+      <p:sp>
+        <p:nvSpPr>
+          <p:cNvPr id="9" name="Tekstvak 3">
+            <a:extLst>
+              <a:ext uri="{FF2B5EF4-FFF2-40B4-BE49-F238E27FC236}">
+                <a16:creationId xmlns:a16="http://schemas.microsoft.com/office/drawing/2014/main" id="{33E1DA02-D820-515A-4330-26B6724CAED7}"/>
+              </a:ext>
+            </a:extLst>
+          </p:cNvPr>
+          <p:cNvSpPr txBox="1"/>
+          <p:nvPr/>
+        </p:nvSpPr>
+        <p:spPr>
+          <a:xfrm>
+            <a:off x="-1706880" y="6365557"/>
+            <a:ext cx="14020800" cy="984885"/>
+          </a:xfrm>
+          <a:prstGeom prst="rect">
+            <a:avLst/>
+          </a:prstGeom>
+          <a:noFill/>
+        </p:spPr>
+        <p:txBody>
+          <a:bodyPr rot="0" spcFirstLastPara="0" vertOverflow="overflow" horzOverflow="overflow" vert="horz" wrap="square" lIns="91440" tIns="45720" rIns="91440" bIns="45720" numCol="1" spcCol="0" rtlCol="0" fromWordArt="0" anchor="t" anchorCtr="0" forceAA="0" compatLnSpc="1">
+            <a:prstTxWarp prst="textNoShape">
+              <a:avLst/>
+            </a:prstTxWarp>
+            <a:spAutoFit/>
+          </a:bodyPr>
+          <a:lstStyle/>
+          <a:p>
+            <a:pPr lvl="4"/>
+            <a:r>
+              <a:rPr lang="en-US" sz="1600" dirty="0">
+                <a:solidFill>
+                  <a:srgbClr val="FFC000"/>
+                </a:solidFill>
+                <a:cs typeface="Calibri Light"/>
+              </a:rPr>
+              <a:t>Home page      Curriculum Vitae     </a:t>
+            </a:r>
+            <a:r>
+              <a:rPr lang="nl-NL" sz="1600" dirty="0">
+                <a:solidFill>
+                  <a:srgbClr val="FFC000"/>
+                </a:solidFill>
+                <a:cs typeface="Calibri Light"/>
+              </a:rPr>
+              <a:t>Werk ervaringen       Model voorbeelden        Hobby &amp; interesses     </a:t>
+            </a:r>
+            <a:r>
+              <a:rPr lang="en-US" sz="1600" dirty="0" err="1">
+                <a:solidFill>
+                  <a:srgbClr val="FFC000"/>
+                </a:solidFill>
+                <a:cs typeface="Calibri Light"/>
+              </a:rPr>
+              <a:t>Contactgegevens</a:t>
+            </a:r>
+            <a:r>
+              <a:rPr lang="nl-NL" sz="1600" dirty="0">
+                <a:solidFill>
+                  <a:srgbClr val="FFC000"/>
+                </a:solidFill>
+                <a:cs typeface="Calibri Light"/>
+              </a:rPr>
+              <a:t> </a:t>
+            </a:r>
+            <a:endParaRPr lang="en-BE" sz="1600" dirty="0">
+              <a:solidFill>
+                <a:srgbClr val="FFC000"/>
+              </a:solidFill>
+              <a:cs typeface="Calibri Light"/>
+            </a:endParaRPr>
+          </a:p>
+          <a:p>
+            <a:pPr lvl="4"/>
+            <a:endParaRPr lang="nl-NL" sz="2400" dirty="0" err="1">
+              <a:ea typeface="+mn-lt"/>
+              <a:cs typeface="+mn-lt"/>
+            </a:endParaRPr>
+          </a:p>
+          <a:p>
+            <a:pPr algn="l"/>
+            <a:endParaRPr lang="nl-NL" dirty="0">
+              <a:cs typeface="Calibri"/>
+            </a:endParaRPr>
+          </a:p>
+        </p:txBody>
+      </p:sp>
       <p:pic>
         <p:nvPicPr>
-          <p:cNvPr id="4" name="Afbeelding 6" descr="Afbeelding met persoon&#10;&#10;Automatisch gegenereerde beschrijving">
+          <p:cNvPr id="3" name="Afbeelding 6" descr="Afbeelding met persoon&#10;&#10;Automatisch gegenereerde beschrijving">
             <a:extLst>
               <a:ext uri="{FF2B5EF4-FFF2-40B4-BE49-F238E27FC236}">
-                <a16:creationId xmlns:a16="http://schemas.microsoft.com/office/drawing/2014/main" id="{89E40B6E-C22D-E1BE-D287-5A6769C825C7}"/>
+                <a16:creationId xmlns:a16="http://schemas.microsoft.com/office/drawing/2014/main" id="{450BF91D-D5A0-AA03-1CE3-2279541864A9}"/>
               </a:ext>
             </a:extLst>
           </p:cNvPr>
@@ -6502,130 +6662,28 @@
         </p:blipFill>
         <p:spPr>
           <a:xfrm>
-            <a:off x="2129245" y="511832"/>
+            <a:off x="1071153" y="541972"/>
             <a:ext cx="2454377" cy="2728913"/>
-          </a:xfrm>
-          <a:prstGeom prst="roundRect">
-            <a:avLst>
-              <a:gd name="adj" fmla="val 4167"/>
-            </a:avLst>
-          </a:prstGeom>
-          <a:solidFill>
-            <a:srgbClr val="FFFFFF"/>
-          </a:solidFill>
-          <a:ln w="76200" cap="sq">
-            <a:solidFill>
-              <a:srgbClr val="292929"/>
-            </a:solidFill>
-            <a:miter lim="800000"/>
-          </a:ln>
-          <a:effectLst>
-            <a:reflection blurRad="12700" stA="28000" endPos="28000" dist="5000" dir="5400000" sy="-100000" algn="bl" rotWithShape="0"/>
-          </a:effectLst>
-          <a:scene3d>
-            <a:camera prst="orthographicFront"/>
-            <a:lightRig rig="threePt" dir="t">
-              <a:rot lat="0" lon="0" rev="2700000"/>
-            </a:lightRig>
-          </a:scene3d>
-          <a:sp3d>
-            <a:bevelT h="38100"/>
-            <a:contourClr>
-              <a:srgbClr val="C0C0C0"/>
-            </a:contourClr>
-          </a:sp3d>
-        </p:spPr>
-      </p:pic>
-      <p:sp>
-        <p:nvSpPr>
-          <p:cNvPr id="9" name="Tekstvak 3">
-            <a:extLst>
-              <a:ext uri="{FF2B5EF4-FFF2-40B4-BE49-F238E27FC236}">
-                <a16:creationId xmlns:a16="http://schemas.microsoft.com/office/drawing/2014/main" id="{33E1DA02-D820-515A-4330-26B6724CAED7}"/>
-              </a:ext>
-            </a:extLst>
-          </p:cNvPr>
-          <p:cNvSpPr txBox="1"/>
-          <p:nvPr/>
-        </p:nvSpPr>
-        <p:spPr>
-          <a:xfrm>
-            <a:off x="-1706880" y="6365557"/>
-            <a:ext cx="14020800" cy="984885"/>
           </a:xfrm>
           <a:prstGeom prst="rect">
             <a:avLst/>
           </a:prstGeom>
-          <a:noFill/>
+          <a:ln w="38100" cap="sq">
+            <a:solidFill>
+              <a:srgbClr val="000000"/>
+            </a:solidFill>
+            <a:prstDash val="solid"/>
+            <a:miter lim="800000"/>
+          </a:ln>
+          <a:effectLst>
+            <a:outerShdw blurRad="50800" dist="38100" dir="2700000" algn="tl" rotWithShape="0">
+              <a:srgbClr val="000000">
+                <a:alpha val="43000"/>
+              </a:srgbClr>
+            </a:outerShdw>
+          </a:effectLst>
         </p:spPr>
-        <p:txBody>
-          <a:bodyPr rot="0" spcFirstLastPara="0" vertOverflow="overflow" horzOverflow="overflow" vert="horz" wrap="square" lIns="91440" tIns="45720" rIns="91440" bIns="45720" numCol="1" spcCol="0" rtlCol="0" fromWordArt="0" anchor="t" anchorCtr="0" forceAA="0" compatLnSpc="1">
-            <a:prstTxWarp prst="textNoShape">
-              <a:avLst/>
-            </a:prstTxWarp>
-            <a:spAutoFit/>
-          </a:bodyPr>
-          <a:lstStyle/>
-          <a:p>
-            <a:pPr lvl="4"/>
-            <a:r>
-              <a:rPr lang="en-US" sz="1600" dirty="0">
-                <a:solidFill>
-                  <a:srgbClr val="FFC000"/>
-                </a:solidFill>
-                <a:cs typeface="Calibri Light"/>
-              </a:rPr>
-              <a:t>Home page      Curriculum Vitae     </a:t>
-            </a:r>
-            <a:r>
-              <a:rPr lang="nl-NL" sz="1600" dirty="0">
-                <a:solidFill>
-                  <a:srgbClr val="FFC000"/>
-                </a:solidFill>
-                <a:cs typeface="Calibri Light"/>
-              </a:rPr>
-              <a:t>Werk ervaringen       Model voorbeelden        Hobby &amp; interesses     </a:t>
-            </a:r>
-            <a:r>
-              <a:rPr lang="en-US" sz="1600" dirty="0" err="1">
-                <a:solidFill>
-                  <a:srgbClr val="FFC000"/>
-                </a:solidFill>
-                <a:cs typeface="Calibri Light"/>
-              </a:rPr>
-              <a:t>Contactgegevens</a:t>
-            </a:r>
-            <a:r>
-              <a:rPr lang="nl-NL" sz="1600" dirty="0">
-                <a:solidFill>
-                  <a:srgbClr val="FFC000"/>
-                </a:solidFill>
-                <a:cs typeface="Calibri Light"/>
-              </a:rPr>
-              <a:t> </a:t>
-            </a:r>
-            <a:endParaRPr lang="en-BE" sz="1600" dirty="0">
-              <a:solidFill>
-                <a:srgbClr val="FFC000"/>
-              </a:solidFill>
-              <a:cs typeface="Calibri Light"/>
-            </a:endParaRPr>
-          </a:p>
-          <a:p>
-            <a:pPr lvl="4"/>
-            <a:endParaRPr lang="nl-NL" sz="2400" dirty="0" err="1">
-              <a:ea typeface="+mn-lt"/>
-              <a:cs typeface="+mn-lt"/>
-            </a:endParaRPr>
-          </a:p>
-          <a:p>
-            <a:pPr algn="l"/>
-            <a:endParaRPr lang="nl-NL" dirty="0">
-              <a:cs typeface="Calibri"/>
-            </a:endParaRPr>
-          </a:p>
-        </p:txBody>
-      </p:sp>
+      </p:pic>
     </p:spTree>
     <p:extLst>
       <p:ext uri="{BB962C8B-B14F-4D97-AF65-F5344CB8AC3E}">
@@ -8467,7 +8525,7 @@
         </p:nvSpPr>
         <p:spPr>
           <a:xfrm>
-            <a:off x="6248400" y="1853248"/>
+            <a:off x="6385562" y="1853248"/>
             <a:ext cx="4953000" cy="3663632"/>
           </a:xfrm>
         </p:spPr>
@@ -8626,35 +8684,22 @@
             <a:off x="304799" y="1914208"/>
             <a:ext cx="5501641" cy="3465194"/>
           </a:xfrm>
-          <a:prstGeom prst="roundRect">
-            <a:avLst>
-              <a:gd name="adj" fmla="val 4167"/>
-            </a:avLst>
+          <a:prstGeom prst="rect">
+            <a:avLst/>
           </a:prstGeom>
-          <a:solidFill>
-            <a:srgbClr val="FFFFFF"/>
-          </a:solidFill>
-          <a:ln w="76200" cap="sq">
+          <a:ln w="127000" cap="sq">
             <a:solidFill>
-              <a:srgbClr val="292929"/>
+              <a:srgbClr val="000000"/>
             </a:solidFill>
             <a:miter lim="800000"/>
           </a:ln>
           <a:effectLst>
-            <a:reflection blurRad="12700" stA="28000" endPos="28000" dist="5000" dir="5400000" sy="-100000" algn="bl" rotWithShape="0"/>
+            <a:outerShdw blurRad="57150" dist="50800" dir="2700000" algn="tl" rotWithShape="0">
+              <a:srgbClr val="000000">
+                <a:alpha val="40000"/>
+              </a:srgbClr>
+            </a:outerShdw>
           </a:effectLst>
-          <a:scene3d>
-            <a:camera prst="orthographicFront"/>
-            <a:lightRig rig="threePt" dir="t">
-              <a:rot lat="0" lon="0" rev="2700000"/>
-            </a:lightRig>
-          </a:scene3d>
-          <a:sp3d>
-            <a:bevelT h="38100"/>
-            <a:contourClr>
-              <a:srgbClr val="C0C0C0"/>
-            </a:contourClr>
-          </a:sp3d>
         </p:spPr>
       </p:pic>
     </p:spTree>
